--- a/Workshop iHub 17th.pptx
+++ b/Workshop iHub 17th.pptx
@@ -5,10 +5,10 @@
     <p:sldMasterId id="2147483648" r:id="rId4"/>
   </p:sldMasterIdLst>
   <p:notesMasterIdLst>
-    <p:notesMasterId r:id="rId15"/>
+    <p:notesMasterId r:id="rId17"/>
   </p:notesMasterIdLst>
   <p:handoutMasterIdLst>
-    <p:handoutMasterId r:id="rId16"/>
+    <p:handoutMasterId r:id="rId18"/>
   </p:handoutMasterIdLst>
   <p:sldIdLst>
     <p:sldId id="282" r:id="rId5"/>
@@ -19,8 +19,10 @@
     <p:sldId id="286" r:id="rId10"/>
     <p:sldId id="287" r:id="rId11"/>
     <p:sldId id="288" r:id="rId12"/>
-    <p:sldId id="278" r:id="rId13"/>
-    <p:sldId id="256" r:id="rId14"/>
+    <p:sldId id="289" r:id="rId13"/>
+    <p:sldId id="290" r:id="rId14"/>
+    <p:sldId id="278" r:id="rId15"/>
+    <p:sldId id="256" r:id="rId16"/>
   </p:sldIdLst>
   <p:sldSz cx="12192000" cy="6858000"/>
   <p:notesSz cx="6858000" cy="9144000"/>
@@ -230,7 +232,7 @@
           <a:p>
             <a:fld id="{0DD51EFA-6533-45C3-8394-23FFC04F750D}" type="datetimeFigureOut">
               <a:rPr lang="en-US" smtClean="0"/>
-              <a:t>12/14/2022</a:t>
+              <a:t>12/15/2022</a:t>
             </a:fld>
             <a:endParaRPr lang="en-US" dirty="0"/>
           </a:p>
@@ -407,7 +409,7 @@
           <a:p>
             <a:fld id="{B7B4C180-10CF-422C-B717-65F1B78C7EB7}" type="datetimeFigureOut">
               <a:rPr lang="en-US" noProof="0" smtClean="0"/>
-              <a:t>12/14/2022</a:t>
+              <a:t>12/15/2022</a:t>
             </a:fld>
             <a:endParaRPr lang="en-US" noProof="0" dirty="0"/>
           </a:p>
@@ -1075,7 +1077,7 @@
           <a:p>
             <a:fld id="{168375C1-7C5C-42A2-80F2-05631BB3764E}" type="slidenum">
               <a:rPr lang="en-US" noProof="0" smtClean="0"/>
-              <a:t>9</a:t>
+              <a:t>11</a:t>
             </a:fld>
             <a:endParaRPr lang="en-US" noProof="0" dirty="0"/>
           </a:p>
@@ -1159,7 +1161,7 @@
           <a:p>
             <a:fld id="{168375C1-7C5C-42A2-80F2-05631BB3764E}" type="slidenum">
               <a:rPr lang="en-US" noProof="0" smtClean="0"/>
-              <a:t>10</a:t>
+              <a:t>12</a:t>
             </a:fld>
             <a:endParaRPr lang="en-US" noProof="0" dirty="0"/>
           </a:p>
@@ -17199,6 +17201,352 @@
       </p:grpSpPr>
       <p:sp>
         <p:nvSpPr>
+          <p:cNvPr id="2" name="Slide Number Placeholder 1">
+            <a:extLst>
+              <a:ext uri="{FF2B5EF4-FFF2-40B4-BE49-F238E27FC236}">
+                <a16:creationId xmlns:a16="http://schemas.microsoft.com/office/drawing/2014/main" id="{A4DC53C6-882F-B9F8-6AA4-CA45F9F5BC8C}"/>
+              </a:ext>
+            </a:extLst>
+          </p:cNvPr>
+          <p:cNvSpPr>
+            <a:spLocks noGrp="1"/>
+          </p:cNvSpPr>
+          <p:nvPr>
+            <p:ph type="sldNum" sz="quarter" idx="11"/>
+          </p:nvPr>
+        </p:nvSpPr>
+        <p:spPr/>
+        <p:txBody>
+          <a:bodyPr/>
+          <a:lstStyle/>
+          <a:p>
+            <a:fld id="{4B73C415-D670-4716-A5EC-CC4D52CA2BAC}" type="slidenum">
+              <a:rPr lang="en-US" noProof="0" smtClean="0"/>
+              <a:pPr/>
+              <a:t>10</a:t>
+            </a:fld>
+            <a:endParaRPr lang="en-US" noProof="0" dirty="0"/>
+          </a:p>
+        </p:txBody>
+      </p:sp>
+      <p:pic>
+        <p:nvPicPr>
+          <p:cNvPr id="4" name="Picture 3">
+            <a:extLst>
+              <a:ext uri="{FF2B5EF4-FFF2-40B4-BE49-F238E27FC236}">
+                <a16:creationId xmlns:a16="http://schemas.microsoft.com/office/drawing/2014/main" id="{B716E4ED-CF5A-5F2B-FA26-3452A3269795}"/>
+              </a:ext>
+            </a:extLst>
+          </p:cNvPr>
+          <p:cNvPicPr>
+            <a:picLocks noChangeAspect="1"/>
+          </p:cNvPicPr>
+          <p:nvPr/>
+        </p:nvPicPr>
+        <p:blipFill>
+          <a:blip r:embed="rId2">
+            <a:extLst>
+              <a:ext uri="{28A0092B-C50C-407E-A947-70E740481C1C}">
+                <a14:useLocalDpi xmlns:a14="http://schemas.microsoft.com/office/drawing/2010/main" val="0"/>
+              </a:ext>
+            </a:extLst>
+          </a:blip>
+          <a:stretch>
+            <a:fillRect/>
+          </a:stretch>
+        </p:blipFill>
+        <p:spPr>
+          <a:xfrm>
+            <a:off x="2214694" y="1256834"/>
+            <a:ext cx="8167993" cy="4344331"/>
+          </a:xfrm>
+          <a:prstGeom prst="rect">
+            <a:avLst/>
+          </a:prstGeom>
+        </p:spPr>
+      </p:pic>
+      <p:sp>
+        <p:nvSpPr>
+          <p:cNvPr id="5" name="TextBox 4">
+            <a:extLst>
+              <a:ext uri="{FF2B5EF4-FFF2-40B4-BE49-F238E27FC236}">
+                <a16:creationId xmlns:a16="http://schemas.microsoft.com/office/drawing/2014/main" id="{0E6D2E59-38A9-76C3-58DA-95A8C315C421}"/>
+              </a:ext>
+            </a:extLst>
+          </p:cNvPr>
+          <p:cNvSpPr txBox="1"/>
+          <p:nvPr/>
+        </p:nvSpPr>
+        <p:spPr>
+          <a:xfrm>
+            <a:off x="3042407" y="176169"/>
+            <a:ext cx="6107185" cy="769441"/>
+          </a:xfrm>
+          <a:prstGeom prst="rect">
+            <a:avLst/>
+          </a:prstGeom>
+          <a:noFill/>
+        </p:spPr>
+        <p:txBody>
+          <a:bodyPr wrap="square" rtlCol="0">
+            <a:spAutoFit/>
+          </a:bodyPr>
+          <a:lstStyle/>
+          <a:p>
+            <a:pPr algn="ctr"/>
+            <a:r>
+              <a:rPr lang="en-US" sz="4400" dirty="0"/>
+              <a:t>CODE SESSION</a:t>
+            </a:r>
+          </a:p>
+        </p:txBody>
+      </p:sp>
+    </p:spTree>
+    <p:extLst>
+      <p:ext uri="{BB962C8B-B14F-4D97-AF65-F5344CB8AC3E}">
+        <p14:creationId xmlns:p14="http://schemas.microsoft.com/office/powerpoint/2010/main" val="4240227274"/>
+      </p:ext>
+    </p:extLst>
+  </p:cSld>
+  <p:clrMapOvr>
+    <a:masterClrMapping/>
+  </p:clrMapOvr>
+</p:sld>
+</file>
+
+<file path=ppt/slides/slide11.xml><?xml version="1.0" encoding="utf-8"?>
+<p:sld xmlns:a="http://schemas.openxmlformats.org/drawingml/2006/main" xmlns:r="http://schemas.openxmlformats.org/officeDocument/2006/relationships" xmlns:p="http://schemas.openxmlformats.org/presentationml/2006/main">
+  <p:cSld>
+    <p:bg>
+      <p:bgPr>
+        <a:solidFill>
+          <a:schemeClr val="bg1"/>
+        </a:solidFill>
+        <a:effectLst/>
+      </p:bgPr>
+    </p:bg>
+    <p:spTree>
+      <p:nvGrpSpPr>
+        <p:cNvPr id="1" name=""/>
+        <p:cNvGrpSpPr/>
+        <p:nvPr/>
+      </p:nvGrpSpPr>
+      <p:grpSpPr>
+        <a:xfrm>
+          <a:off x="0" y="0"/>
+          <a:ext cx="0" cy="0"/>
+          <a:chOff x="0" y="0"/>
+          <a:chExt cx="0" cy="0"/>
+        </a:xfrm>
+      </p:grpSpPr>
+      <p:pic>
+        <p:nvPicPr>
+          <p:cNvPr id="48" name="Picture Placeholder 47">
+            <a:extLst>
+              <a:ext uri="{FF2B5EF4-FFF2-40B4-BE49-F238E27FC236}">
+                <a16:creationId xmlns:a16="http://schemas.microsoft.com/office/drawing/2014/main" id="{AC966987-B293-404A-BBED-86957A060395}"/>
+              </a:ext>
+            </a:extLst>
+          </p:cNvPr>
+          <p:cNvPicPr>
+            <a:picLocks noGrp="1" noChangeAspect="1"/>
+          </p:cNvPicPr>
+          <p:nvPr>
+            <p:ph type="pic" sz="quarter" idx="10"/>
+          </p:nvPr>
+        </p:nvPicPr>
+        <p:blipFill>
+          <a:blip r:embed="rId3">
+            <a:extLst>
+              <a:ext uri="{28A0092B-C50C-407E-A947-70E740481C1C}">
+                <a14:useLocalDpi xmlns:a14="http://schemas.microsoft.com/office/drawing/2010/main" val="0"/>
+              </a:ext>
+            </a:extLst>
+          </a:blip>
+          <a:srcRect/>
+          <a:stretch/>
+        </p:blipFill>
+        <p:spPr>
+          <a:xfrm>
+            <a:off x="71194" y="0"/>
+            <a:ext cx="12049611" cy="6786563"/>
+          </a:xfrm>
+        </p:spPr>
+      </p:pic>
+      <p:sp>
+        <p:nvSpPr>
+          <p:cNvPr id="32" name="Rectangle 31">
+            <a:extLst>
+              <a:ext uri="{FF2B5EF4-FFF2-40B4-BE49-F238E27FC236}">
+                <a16:creationId xmlns:a16="http://schemas.microsoft.com/office/drawing/2014/main" id="{A851B3CA-790D-465D-9B97-AA9876E357B9}"/>
+              </a:ext>
+              <a:ext uri="{C183D7F6-B498-43B3-948B-1728B52AA6E4}">
+                <adec:decorative xmlns:adec="http://schemas.microsoft.com/office/drawing/2017/decorative" val="1"/>
+              </a:ext>
+            </a:extLst>
+          </p:cNvPr>
+          <p:cNvSpPr/>
+          <p:nvPr/>
+        </p:nvSpPr>
+        <p:spPr>
+          <a:xfrm>
+            <a:off x="6336000" y="0"/>
+            <a:ext cx="3979575" cy="6858000"/>
+          </a:xfrm>
+          <a:prstGeom prst="rect">
+            <a:avLst/>
+          </a:prstGeom>
+          <a:solidFill>
+            <a:schemeClr val="tx1">
+              <a:alpha val="70000"/>
+            </a:schemeClr>
+          </a:solidFill>
+          <a:ln>
+            <a:noFill/>
+          </a:ln>
+        </p:spPr>
+        <p:style>
+          <a:lnRef idx="2">
+            <a:schemeClr val="accent1">
+              <a:shade val="50000"/>
+            </a:schemeClr>
+          </a:lnRef>
+          <a:fillRef idx="1">
+            <a:schemeClr val="accent1"/>
+          </a:fillRef>
+          <a:effectRef idx="0">
+            <a:schemeClr val="accent1"/>
+          </a:effectRef>
+          <a:fontRef idx="minor">
+            <a:schemeClr val="lt1"/>
+          </a:fontRef>
+        </p:style>
+        <p:txBody>
+          <a:bodyPr rtlCol="0" anchor="ctr"/>
+          <a:lstStyle/>
+          <a:p>
+            <a:pPr algn="ctr"/>
+            <a:endParaRPr lang="en-US" dirty="0"/>
+          </a:p>
+        </p:txBody>
+      </p:sp>
+      <p:sp>
+        <p:nvSpPr>
+          <p:cNvPr id="2" name="Title 1">
+            <a:extLst>
+              <a:ext uri="{FF2B5EF4-FFF2-40B4-BE49-F238E27FC236}">
+                <a16:creationId xmlns:a16="http://schemas.microsoft.com/office/drawing/2014/main" id="{8468F2B1-EF8F-4772-ADA1-4195B20EBA74}"/>
+              </a:ext>
+            </a:extLst>
+          </p:cNvPr>
+          <p:cNvSpPr>
+            <a:spLocks noGrp="1"/>
+          </p:cNvSpPr>
+          <p:nvPr>
+            <p:ph type="ctrTitle"/>
+          </p:nvPr>
+        </p:nvSpPr>
+        <p:spPr bwMode="gray"/>
+        <p:txBody>
+          <a:bodyPr/>
+          <a:lstStyle/>
+          <a:p>
+            <a:r>
+              <a:rPr lang="en-US" dirty="0"/>
+              <a:t>Thank You</a:t>
+            </a:r>
+          </a:p>
+        </p:txBody>
+      </p:sp>
+      <p:cxnSp>
+        <p:nvCxnSpPr>
+          <p:cNvPr id="16" name="Straight Connector 15">
+            <a:extLst>
+              <a:ext uri="{FF2B5EF4-FFF2-40B4-BE49-F238E27FC236}">
+                <a16:creationId xmlns:a16="http://schemas.microsoft.com/office/drawing/2014/main" id="{F3753AF9-461F-4049-BB9D-621E76A51470}"/>
+              </a:ext>
+              <a:ext uri="{C183D7F6-B498-43B3-948B-1728B52AA6E4}">
+                <adec:decorative xmlns:adec="http://schemas.microsoft.com/office/drawing/2017/decorative" val="1"/>
+              </a:ext>
+            </a:extLst>
+          </p:cNvPr>
+          <p:cNvCxnSpPr>
+            <a:cxnSpLocks/>
+          </p:cNvCxnSpPr>
+          <p:nvPr/>
+        </p:nvCxnSpPr>
+        <p:spPr>
+          <a:xfrm>
+            <a:off x="6539896" y="4848225"/>
+            <a:ext cx="3571782" cy="0"/>
+          </a:xfrm>
+          <a:prstGeom prst="line">
+            <a:avLst/>
+          </a:prstGeom>
+          <a:ln>
+            <a:gradFill>
+              <a:gsLst>
+                <a:gs pos="0">
+                  <a:schemeClr val="accent1"/>
+                </a:gs>
+                <a:gs pos="51300">
+                  <a:schemeClr val="accent2"/>
+                </a:gs>
+                <a:gs pos="100000">
+                  <a:schemeClr val="accent3"/>
+                </a:gs>
+              </a:gsLst>
+              <a:lin ang="0" scaled="0"/>
+            </a:gradFill>
+          </a:ln>
+        </p:spPr>
+        <p:style>
+          <a:lnRef idx="1">
+            <a:schemeClr val="accent1"/>
+          </a:lnRef>
+          <a:fillRef idx="0">
+            <a:schemeClr val="accent1"/>
+          </a:fillRef>
+          <a:effectRef idx="0">
+            <a:schemeClr val="accent1"/>
+          </a:effectRef>
+          <a:fontRef idx="minor">
+            <a:schemeClr val="tx1"/>
+          </a:fontRef>
+        </p:style>
+      </p:cxnSp>
+    </p:spTree>
+    <p:extLst>
+      <p:ext uri="{BB962C8B-B14F-4D97-AF65-F5344CB8AC3E}">
+        <p14:creationId xmlns:p14="http://schemas.microsoft.com/office/powerpoint/2010/main" val="168567659"/>
+      </p:ext>
+    </p:extLst>
+  </p:cSld>
+  <p:clrMapOvr>
+    <a:masterClrMapping/>
+  </p:clrMapOvr>
+</p:sld>
+</file>
+
+<file path=ppt/slides/slide12.xml><?xml version="1.0" encoding="utf-8"?>
+<p:sld xmlns:a="http://schemas.openxmlformats.org/drawingml/2006/main" xmlns:r="http://schemas.openxmlformats.org/officeDocument/2006/relationships" xmlns:p="http://schemas.openxmlformats.org/presentationml/2006/main">
+  <p:cSld>
+    <p:spTree>
+      <p:nvGrpSpPr>
+        <p:cNvPr id="1" name=""/>
+        <p:cNvGrpSpPr/>
+        <p:nvPr/>
+      </p:nvGrpSpPr>
+      <p:grpSpPr>
+        <a:xfrm>
+          <a:off x="0" y="0"/>
+          <a:ext cx="0" cy="0"/>
+          <a:chOff x="0" y="0"/>
+          <a:chExt cx="0" cy="0"/>
+        </a:xfrm>
+      </p:grpSpPr>
+      <p:sp>
+        <p:nvSpPr>
           <p:cNvPr id="4" name="Title 3">
             <a:extLst>
               <a:ext uri="{FF2B5EF4-FFF2-40B4-BE49-F238E27FC236}">
@@ -19634,14 +19982,6 @@
 <file path=ppt/slides/slide9.xml><?xml version="1.0" encoding="utf-8"?>
 <p:sld xmlns:a="http://schemas.openxmlformats.org/drawingml/2006/main" xmlns:r="http://schemas.openxmlformats.org/officeDocument/2006/relationships" xmlns:p="http://schemas.openxmlformats.org/presentationml/2006/main">
   <p:cSld>
-    <p:bg>
-      <p:bgPr>
-        <a:solidFill>
-          <a:schemeClr val="bg1"/>
-        </a:solidFill>
-        <a:effectLst/>
-      </p:bgPr>
-    </p:bg>
     <p:spTree>
       <p:nvGrpSpPr>
         <p:cNvPr id="1" name=""/>
@@ -19656,186 +19996,138 @@
           <a:chExt cx="0" cy="0"/>
         </a:xfrm>
       </p:grpSpPr>
-      <p:pic>
-        <p:nvPicPr>
-          <p:cNvPr id="48" name="Picture Placeholder 47">
-            <a:extLst>
-              <a:ext uri="{FF2B5EF4-FFF2-40B4-BE49-F238E27FC236}">
-                <a16:creationId xmlns:a16="http://schemas.microsoft.com/office/drawing/2014/main" id="{AC966987-B293-404A-BBED-86957A060395}"/>
-              </a:ext>
-            </a:extLst>
-          </p:cNvPr>
-          <p:cNvPicPr>
-            <a:picLocks noGrp="1" noChangeAspect="1"/>
-          </p:cNvPicPr>
-          <p:nvPr>
-            <p:ph type="pic" sz="quarter" idx="10"/>
-          </p:nvPr>
-        </p:nvPicPr>
-        <p:blipFill>
-          <a:blip r:embed="rId3">
-            <a:extLst>
-              <a:ext uri="{28A0092B-C50C-407E-A947-70E740481C1C}">
-                <a14:useLocalDpi xmlns:a14="http://schemas.microsoft.com/office/drawing/2010/main" val="0"/>
-              </a:ext>
-            </a:extLst>
-          </a:blip>
-          <a:srcRect/>
-          <a:stretch/>
-        </p:blipFill>
-        <p:spPr>
-          <a:xfrm>
-            <a:off x="71194" y="0"/>
-            <a:ext cx="12049611" cy="6786563"/>
-          </a:xfrm>
-        </p:spPr>
-      </p:pic>
-      <p:sp>
-        <p:nvSpPr>
-          <p:cNvPr id="32" name="Rectangle 31">
-            <a:extLst>
-              <a:ext uri="{FF2B5EF4-FFF2-40B4-BE49-F238E27FC236}">
-                <a16:creationId xmlns:a16="http://schemas.microsoft.com/office/drawing/2014/main" id="{A851B3CA-790D-465D-9B97-AA9876E357B9}"/>
-              </a:ext>
-              <a:ext uri="{C183D7F6-B498-43B3-948B-1728B52AA6E4}">
-                <adec:decorative xmlns:adec="http://schemas.microsoft.com/office/drawing/2017/decorative" val="1"/>
-              </a:ext>
-            </a:extLst>
-          </p:cNvPr>
-          <p:cNvSpPr/>
+      <p:sp>
+        <p:nvSpPr>
+          <p:cNvPr id="2" name="Title 1">
+            <a:extLst>
+              <a:ext uri="{FF2B5EF4-FFF2-40B4-BE49-F238E27FC236}">
+                <a16:creationId xmlns:a16="http://schemas.microsoft.com/office/drawing/2014/main" id="{48566A6C-9685-021E-B47A-629C1833062B}"/>
+              </a:ext>
+            </a:extLst>
+          </p:cNvPr>
+          <p:cNvSpPr>
+            <a:spLocks noGrp="1"/>
+          </p:cNvSpPr>
+          <p:nvPr>
+            <p:ph type="title"/>
+          </p:nvPr>
+        </p:nvSpPr>
+        <p:spPr/>
+        <p:txBody>
+          <a:bodyPr/>
+          <a:lstStyle/>
+          <a:p>
+            <a:pPr algn="ctr"/>
+            <a:r>
+              <a:rPr lang="en-US" dirty="0"/>
+              <a:t>Group Session</a:t>
+            </a:r>
+          </a:p>
+        </p:txBody>
+      </p:sp>
+      <p:sp>
+        <p:nvSpPr>
+          <p:cNvPr id="3" name="Slide Number Placeholder 2">
+            <a:extLst>
+              <a:ext uri="{FF2B5EF4-FFF2-40B4-BE49-F238E27FC236}">
+                <a16:creationId xmlns:a16="http://schemas.microsoft.com/office/drawing/2014/main" id="{1A934A50-A39D-768A-88AF-F0C856550BCA}"/>
+              </a:ext>
+            </a:extLst>
+          </p:cNvPr>
+          <p:cNvSpPr>
+            <a:spLocks noGrp="1"/>
+          </p:cNvSpPr>
+          <p:nvPr>
+            <p:ph type="sldNum" sz="quarter" idx="11"/>
+          </p:nvPr>
+        </p:nvSpPr>
+        <p:spPr/>
+        <p:txBody>
+          <a:bodyPr/>
+          <a:lstStyle/>
+          <a:p>
+            <a:fld id="{4B73C415-D670-4716-A5EC-CC4D52CA2BAC}" type="slidenum">
+              <a:rPr lang="en-US" noProof="0" smtClean="0"/>
+              <a:pPr/>
+              <a:t>9</a:t>
+            </a:fld>
+            <a:endParaRPr lang="en-US" noProof="0" dirty="0"/>
+          </a:p>
+        </p:txBody>
+      </p:sp>
+      <p:sp>
+        <p:nvSpPr>
+          <p:cNvPr id="4" name="TextBox 3">
+            <a:extLst>
+              <a:ext uri="{FF2B5EF4-FFF2-40B4-BE49-F238E27FC236}">
+                <a16:creationId xmlns:a16="http://schemas.microsoft.com/office/drawing/2014/main" id="{0D53F9C9-4997-95EF-3634-8129156D0281}"/>
+              </a:ext>
+            </a:extLst>
+          </p:cNvPr>
+          <p:cNvSpPr txBox="1"/>
           <p:nvPr/>
         </p:nvSpPr>
         <p:spPr>
           <a:xfrm>
-            <a:off x="6336000" y="0"/>
-            <a:ext cx="3979575" cy="6858000"/>
+            <a:off x="919993" y="1351508"/>
+            <a:ext cx="10352014" cy="4154984"/>
           </a:xfrm>
           <a:prstGeom prst="rect">
             <a:avLst/>
           </a:prstGeom>
-          <a:solidFill>
-            <a:schemeClr val="tx1">
-              <a:alpha val="70000"/>
-            </a:schemeClr>
-          </a:solidFill>
-          <a:ln>
-            <a:noFill/>
-          </a:ln>
-        </p:spPr>
-        <p:style>
-          <a:lnRef idx="2">
-            <a:schemeClr val="accent1">
-              <a:shade val="50000"/>
-            </a:schemeClr>
-          </a:lnRef>
-          <a:fillRef idx="1">
-            <a:schemeClr val="accent1"/>
-          </a:fillRef>
-          <a:effectRef idx="0">
-            <a:schemeClr val="accent1"/>
-          </a:effectRef>
-          <a:fontRef idx="minor">
-            <a:schemeClr val="lt1"/>
-          </a:fontRef>
-        </p:style>
-        <p:txBody>
-          <a:bodyPr rtlCol="0" anchor="ctr"/>
+          <a:noFill/>
+        </p:spPr>
+        <p:txBody>
+          <a:bodyPr wrap="square" rtlCol="0">
+            <a:spAutoFit/>
+          </a:bodyPr>
           <a:lstStyle/>
           <a:p>
-            <a:pPr algn="ctr"/>
-            <a:endParaRPr lang="en-US" dirty="0"/>
-          </a:p>
-        </p:txBody>
-      </p:sp>
-      <p:sp>
-        <p:nvSpPr>
-          <p:cNvPr id="2" name="Title 1">
-            <a:extLst>
-              <a:ext uri="{FF2B5EF4-FFF2-40B4-BE49-F238E27FC236}">
-                <a16:creationId xmlns:a16="http://schemas.microsoft.com/office/drawing/2014/main" id="{8468F2B1-EF8F-4772-ADA1-4195B20EBA74}"/>
-              </a:ext>
-            </a:extLst>
-          </p:cNvPr>
-          <p:cNvSpPr>
-            <a:spLocks noGrp="1"/>
-          </p:cNvSpPr>
-          <p:nvPr>
-            <p:ph type="ctrTitle"/>
-          </p:nvPr>
-        </p:nvSpPr>
-        <p:spPr bwMode="gray"/>
-        <p:txBody>
-          <a:bodyPr/>
-          <a:lstStyle/>
-          <a:p>
-            <a:r>
-              <a:rPr lang="en-US" dirty="0"/>
-              <a:t>Thank You</a:t>
-            </a:r>
-          </a:p>
-        </p:txBody>
-      </p:sp>
-      <p:cxnSp>
-        <p:nvCxnSpPr>
-          <p:cNvPr id="16" name="Straight Connector 15">
-            <a:extLst>
-              <a:ext uri="{FF2B5EF4-FFF2-40B4-BE49-F238E27FC236}">
-                <a16:creationId xmlns:a16="http://schemas.microsoft.com/office/drawing/2014/main" id="{F3753AF9-461F-4049-BB9D-621E76A51470}"/>
-              </a:ext>
-              <a:ext uri="{C183D7F6-B498-43B3-948B-1728B52AA6E4}">
-                <adec:decorative xmlns:adec="http://schemas.microsoft.com/office/drawing/2017/decorative" val="1"/>
-              </a:ext>
-            </a:extLst>
-          </p:cNvPr>
-          <p:cNvCxnSpPr>
-            <a:cxnSpLocks/>
-          </p:cNvCxnSpPr>
-          <p:nvPr/>
-        </p:nvCxnSpPr>
-        <p:spPr>
-          <a:xfrm>
-            <a:off x="6539896" y="4848225"/>
-            <a:ext cx="3571782" cy="0"/>
-          </a:xfrm>
-          <a:prstGeom prst="line">
-            <a:avLst/>
-          </a:prstGeom>
-          <a:ln>
-            <a:gradFill>
-              <a:gsLst>
-                <a:gs pos="0">
-                  <a:schemeClr val="accent1"/>
-                </a:gs>
-                <a:gs pos="51300">
-                  <a:schemeClr val="accent2"/>
-                </a:gs>
-                <a:gs pos="100000">
-                  <a:schemeClr val="accent3"/>
-                </a:gs>
-              </a:gsLst>
-              <a:lin ang="0" scaled="0"/>
-            </a:gradFill>
-          </a:ln>
-        </p:spPr>
-        <p:style>
-          <a:lnRef idx="1">
-            <a:schemeClr val="accent1"/>
-          </a:lnRef>
-          <a:fillRef idx="0">
-            <a:schemeClr val="accent1"/>
-          </a:fillRef>
-          <a:effectRef idx="0">
-            <a:schemeClr val="accent1"/>
-          </a:effectRef>
-          <a:fontRef idx="minor">
-            <a:schemeClr val="tx1"/>
-          </a:fontRef>
-        </p:style>
-      </p:cxnSp>
+            <a:pPr marL="342900" indent="-342900">
+              <a:buFont typeface="+mj-lt"/>
+              <a:buAutoNum type="arabicPeriod"/>
+            </a:pPr>
+            <a:r>
+              <a:rPr lang="en-US" sz="4400" b="0" i="0" dirty="0">
+                <a:effectLst/>
+                <a:latin typeface="Söhne"/>
+              </a:rPr>
+              <a:t>What would be some various factors that can affect a person's likelihood of defaulting on a loan.</a:t>
+            </a:r>
+          </a:p>
+          <a:p>
+            <a:pPr marL="342900" indent="-342900">
+              <a:buFont typeface="+mj-lt"/>
+              <a:buAutoNum type="arabicPeriod"/>
+            </a:pPr>
+            <a:r>
+              <a:rPr lang="en-US" sz="4400" b="0" i="0" dirty="0">
+                <a:effectLst/>
+                <a:latin typeface="Söhne"/>
+              </a:rPr>
+              <a:t>Ideate on som</a:t>
+            </a:r>
+            <a:r>
+              <a:rPr lang="en-US" sz="4400" dirty="0">
+                <a:latin typeface="Söhne"/>
+              </a:rPr>
+              <a:t>e </a:t>
+            </a:r>
+            <a:r>
+              <a:rPr lang="en-US" sz="4400" b="0" i="0" dirty="0">
+                <a:effectLst/>
+                <a:latin typeface="Söhne"/>
+              </a:rPr>
+              <a:t>key predictors of loan default and develop a reliable method for predicting it.</a:t>
+            </a:r>
+            <a:endParaRPr lang="en-US" sz="4400" dirty="0"/>
+          </a:p>
+        </p:txBody>
+      </p:sp>
     </p:spTree>
     <p:extLst>
       <p:ext uri="{BB962C8B-B14F-4D97-AF65-F5344CB8AC3E}">
-        <p14:creationId xmlns:p14="http://schemas.microsoft.com/office/powerpoint/2010/main" val="168567659"/>
+        <p14:creationId xmlns:p14="http://schemas.microsoft.com/office/powerpoint/2010/main" val="963928595"/>
       </p:ext>
     </p:extLst>
   </p:cSld>
@@ -20715,15 +21007,6 @@
 </file>
 
 <file path=customXml/item1.xml><?xml version="1.0" encoding="utf-8"?>
-<?mso-contentType ?>
-<FormTemplates xmlns="http://schemas.microsoft.com/sharepoint/v3/contenttype/forms">
-  <Display>DocumentLibraryForm</Display>
-  <Edit>DocumentLibraryForm</Edit>
-  <New>DocumentLibraryForm</New>
-</FormTemplates>
-</file>
-
-<file path=customXml/item2.xml><?xml version="1.0" encoding="utf-8"?>
 <ct:contentTypeSchema xmlns:ct="http://schemas.microsoft.com/office/2006/metadata/contentType" xmlns:ma="http://schemas.microsoft.com/office/2006/metadata/properties/metaAttributes" ct:_="" ma:_="" ma:contentTypeName="Document" ma:contentTypeID="0x01010079F111ED35F8CC479449609E8A0923A6" ma:contentTypeVersion="11" ma:contentTypeDescription="Create a new document." ma:contentTypeScope="" ma:versionID="9677210f24a1be23c92c90fd886aa0aa">
   <xsd:schema xmlns:xsd="http://www.w3.org/2001/XMLSchema" xmlns:xs="http://www.w3.org/2001/XMLSchema" xmlns:p="http://schemas.microsoft.com/office/2006/metadata/properties" xmlns:ns2="71af3243-3dd4-4a8d-8c0d-dd76da1f02a5" xmlns:ns3="16c05727-aa75-4e4a-9b5f-8a80a1165891" targetNamespace="http://schemas.microsoft.com/office/2006/metadata/properties" ma:root="true" ma:fieldsID="60e05723c5c1908df1a1a4ebf11d344e" ns2:_="" ns3:_="">
     <xsd:import namespace="71af3243-3dd4-4a8d-8c0d-dd76da1f02a5"/>
@@ -20934,6 +21217,15 @@
 </ct:contentTypeSchema>
 </file>
 
+<file path=customXml/item2.xml><?xml version="1.0" encoding="utf-8"?>
+<?mso-contentType ?>
+<FormTemplates xmlns="http://schemas.microsoft.com/sharepoint/v3/contenttype/forms">
+  <Display>DocumentLibraryForm</Display>
+  <Edit>DocumentLibraryForm</Edit>
+  <New>DocumentLibraryForm</New>
+</FormTemplates>
+</file>
+
 <file path=customXml/item3.xml><?xml version="1.0" encoding="utf-8"?>
 <p:properties xmlns:p="http://schemas.microsoft.com/office/2006/metadata/properties" xmlns:xsi="http://www.w3.org/2001/XMLSchema-instance" xmlns:pc="http://schemas.microsoft.com/office/infopath/2007/PartnerControls">
   <documentManagement>
@@ -20943,14 +21235,6 @@
 </file>
 
 <file path=customXml/itemProps1.xml><?xml version="1.0" encoding="utf-8"?>
-<ds:datastoreItem xmlns:ds="http://schemas.openxmlformats.org/officeDocument/2006/customXml" ds:itemID="{56E3E58C-5E8A-4781-9921-C2B23BC09EB2}">
-  <ds:schemaRefs>
-    <ds:schemaRef ds:uri="http://schemas.microsoft.com/sharepoint/v3/contenttype/forms"/>
-  </ds:schemaRefs>
-</ds:datastoreItem>
-</file>
-
-<file path=customXml/itemProps2.xml><?xml version="1.0" encoding="utf-8"?>
 <ds:datastoreItem xmlns:ds="http://schemas.openxmlformats.org/officeDocument/2006/customXml" ds:itemID="{513094F6-5ADD-4195-AF81-00AF033C96A1}">
   <ds:schemaRefs>
     <ds:schemaRef ds:uri="http://schemas.microsoft.com/office/2006/metadata/contentType"/>
@@ -20965,6 +21249,14 @@
     <ds:schemaRef ds:uri="http://purl.org/dc/elements/1.1/"/>
     <ds:schemaRef ds:uri="http://purl.org/dc/terms/"/>
     <ds:schemaRef ds:uri="http://schemas.microsoft.com/internal/obd"/>
+  </ds:schemaRefs>
+</ds:datastoreItem>
+</file>
+
+<file path=customXml/itemProps2.xml><?xml version="1.0" encoding="utf-8"?>
+<ds:datastoreItem xmlns:ds="http://schemas.openxmlformats.org/officeDocument/2006/customXml" ds:itemID="{56E3E58C-5E8A-4781-9921-C2B23BC09EB2}">
+  <ds:schemaRefs>
+    <ds:schemaRef ds:uri="http://schemas.microsoft.com/sharepoint/v3/contenttype/forms"/>
   </ds:schemaRefs>
 </ds:datastoreItem>
 </file>

--- a/Workshop iHub 17th.pptx
+++ b/Workshop iHub 17th.pptx
@@ -232,7 +232,7 @@
           <a:p>
             <a:fld id="{0DD51EFA-6533-45C3-8394-23FFC04F750D}" type="datetimeFigureOut">
               <a:rPr lang="en-US" smtClean="0"/>
-              <a:t>12/15/2022</a:t>
+              <a:t>12/16/2022</a:t>
             </a:fld>
             <a:endParaRPr lang="en-US" dirty="0"/>
           </a:p>
@@ -409,7 +409,7 @@
           <a:p>
             <a:fld id="{B7B4C180-10CF-422C-B717-65F1B78C7EB7}" type="datetimeFigureOut">
               <a:rPr lang="en-US" noProof="0" smtClean="0"/>
-              <a:t>12/15/2022</a:t>
+              <a:t>12/16/2022</a:t>
             </a:fld>
             <a:endParaRPr lang="en-US" noProof="0" dirty="0"/>
           </a:p>
@@ -17852,9 +17852,17 @@
           <a:bodyPr/>
           <a:lstStyle/>
           <a:p>
+            <a:pPr algn="ctr"/>
             <a:r>
               <a:rPr lang="en-US" dirty="0"/>
-              <a:t>Data Engineering and ML - Ops</a:t>
+              <a:t>Data Engineering and ML – Ops</a:t>
+            </a:r>
+          </a:p>
+          <a:p>
+            <a:pPr algn="ctr"/>
+            <a:r>
+              <a:rPr lang="en-US" dirty="0"/>
+              <a:t>F.I.T - Shop2Shop</a:t>
             </a:r>
           </a:p>
         </p:txBody>
@@ -18143,6 +18151,26 @@
           <a:bodyPr/>
           <a:lstStyle/>
           <a:p>
+            <a:pPr algn="ctr"/>
+            <a:r>
+              <a:rPr lang="en-US" sz="2800" b="0" i="0" dirty="0">
+                <a:effectLst/>
+                <a:latin typeface="Google Sans"/>
+              </a:rPr>
+              <a:t>World Resources Institute</a:t>
+            </a:r>
+          </a:p>
+          <a:p>
+            <a:pPr algn="ctr"/>
+            <a:r>
+              <a:rPr lang="en-US" sz="2800" b="0" i="0" dirty="0">
+                <a:effectLst/>
+                <a:latin typeface="Google Sans"/>
+              </a:rPr>
+              <a:t>Air Quality Analyst</a:t>
+            </a:r>
+          </a:p>
+          <a:p>
             <a:endParaRPr lang="en-US" dirty="0"/>
           </a:p>
         </p:txBody>
@@ -18288,6 +18316,42 @@
           </a:p>
         </p:txBody>
       </p:sp>
+      <p:pic>
+        <p:nvPicPr>
+          <p:cNvPr id="5" name="Picture 4">
+            <a:extLst>
+              <a:ext uri="{FF2B5EF4-FFF2-40B4-BE49-F238E27FC236}">
+                <a16:creationId xmlns:a16="http://schemas.microsoft.com/office/drawing/2014/main" id="{CA41F51F-9495-4AB1-1509-06874555ACC7}"/>
+              </a:ext>
+            </a:extLst>
+          </p:cNvPr>
+          <p:cNvPicPr>
+            <a:picLocks noChangeAspect="1"/>
+          </p:cNvPicPr>
+          <p:nvPr/>
+        </p:nvPicPr>
+        <p:blipFill>
+          <a:blip r:embed="rId3">
+            <a:extLst>
+              <a:ext uri="{28A0092B-C50C-407E-A947-70E740481C1C}">
+                <a14:useLocalDpi xmlns:a14="http://schemas.microsoft.com/office/drawing/2010/main" val="0"/>
+              </a:ext>
+            </a:extLst>
+          </a:blip>
+          <a:stretch>
+            <a:fillRect/>
+          </a:stretch>
+        </p:blipFill>
+        <p:spPr>
+          <a:xfrm>
+            <a:off x="5364616" y="15363"/>
+            <a:ext cx="6407384" cy="4321744"/>
+          </a:xfrm>
+          <a:prstGeom prst="rect">
+            <a:avLst/>
+          </a:prstGeom>
+        </p:spPr>
+      </p:pic>
     </p:spTree>
     <p:extLst>
       <p:ext uri="{BB962C8B-B14F-4D97-AF65-F5344CB8AC3E}">
@@ -20019,7 +20083,13 @@
           <a:p>
             <a:pPr algn="ctr"/>
             <a:r>
-              <a:rPr lang="en-US" dirty="0"/>
+              <a:rPr lang="en-US" dirty="0">
+                <a:solidFill>
+                  <a:schemeClr val="accent6">
+                    <a:lumMod val="75000"/>
+                  </a:schemeClr>
+                </a:solidFill>
+              </a:rPr>
               <a:t>Group Session</a:t>
             </a:r>
           </a:p>
@@ -21007,6 +21077,15 @@
 </file>
 
 <file path=customXml/item1.xml><?xml version="1.0" encoding="utf-8"?>
+<?mso-contentType ?>
+<FormTemplates xmlns="http://schemas.microsoft.com/sharepoint/v3/contenttype/forms">
+  <Display>DocumentLibraryForm</Display>
+  <Edit>DocumentLibraryForm</Edit>
+  <New>DocumentLibraryForm</New>
+</FormTemplates>
+</file>
+
+<file path=customXml/item2.xml><?xml version="1.0" encoding="utf-8"?>
 <ct:contentTypeSchema xmlns:ct="http://schemas.microsoft.com/office/2006/metadata/contentType" xmlns:ma="http://schemas.microsoft.com/office/2006/metadata/properties/metaAttributes" ct:_="" ma:_="" ma:contentTypeName="Document" ma:contentTypeID="0x01010079F111ED35F8CC479449609E8A0923A6" ma:contentTypeVersion="11" ma:contentTypeDescription="Create a new document." ma:contentTypeScope="" ma:versionID="9677210f24a1be23c92c90fd886aa0aa">
   <xsd:schema xmlns:xsd="http://www.w3.org/2001/XMLSchema" xmlns:xs="http://www.w3.org/2001/XMLSchema" xmlns:p="http://schemas.microsoft.com/office/2006/metadata/properties" xmlns:ns2="71af3243-3dd4-4a8d-8c0d-dd76da1f02a5" xmlns:ns3="16c05727-aa75-4e4a-9b5f-8a80a1165891" targetNamespace="http://schemas.microsoft.com/office/2006/metadata/properties" ma:root="true" ma:fieldsID="60e05723c5c1908df1a1a4ebf11d344e" ns2:_="" ns3:_="">
     <xsd:import namespace="71af3243-3dd4-4a8d-8c0d-dd76da1f02a5"/>
@@ -21217,15 +21296,6 @@
 </ct:contentTypeSchema>
 </file>
 
-<file path=customXml/item2.xml><?xml version="1.0" encoding="utf-8"?>
-<?mso-contentType ?>
-<FormTemplates xmlns="http://schemas.microsoft.com/sharepoint/v3/contenttype/forms">
-  <Display>DocumentLibraryForm</Display>
-  <Edit>DocumentLibraryForm</Edit>
-  <New>DocumentLibraryForm</New>
-</FormTemplates>
-</file>
-
 <file path=customXml/item3.xml><?xml version="1.0" encoding="utf-8"?>
 <p:properties xmlns:p="http://schemas.microsoft.com/office/2006/metadata/properties" xmlns:xsi="http://www.w3.org/2001/XMLSchema-instance" xmlns:pc="http://schemas.microsoft.com/office/infopath/2007/PartnerControls">
   <documentManagement>
@@ -21235,6 +21305,14 @@
 </file>
 
 <file path=customXml/itemProps1.xml><?xml version="1.0" encoding="utf-8"?>
+<ds:datastoreItem xmlns:ds="http://schemas.openxmlformats.org/officeDocument/2006/customXml" ds:itemID="{56E3E58C-5E8A-4781-9921-C2B23BC09EB2}">
+  <ds:schemaRefs>
+    <ds:schemaRef ds:uri="http://schemas.microsoft.com/sharepoint/v3/contenttype/forms"/>
+  </ds:schemaRefs>
+</ds:datastoreItem>
+</file>
+
+<file path=customXml/itemProps2.xml><?xml version="1.0" encoding="utf-8"?>
 <ds:datastoreItem xmlns:ds="http://schemas.openxmlformats.org/officeDocument/2006/customXml" ds:itemID="{513094F6-5ADD-4195-AF81-00AF033C96A1}">
   <ds:schemaRefs>
     <ds:schemaRef ds:uri="http://schemas.microsoft.com/office/2006/metadata/contentType"/>
@@ -21249,14 +21327,6 @@
     <ds:schemaRef ds:uri="http://purl.org/dc/elements/1.1/"/>
     <ds:schemaRef ds:uri="http://purl.org/dc/terms/"/>
     <ds:schemaRef ds:uri="http://schemas.microsoft.com/internal/obd"/>
-  </ds:schemaRefs>
-</ds:datastoreItem>
-</file>
-
-<file path=customXml/itemProps2.xml><?xml version="1.0" encoding="utf-8"?>
-<ds:datastoreItem xmlns:ds="http://schemas.openxmlformats.org/officeDocument/2006/customXml" ds:itemID="{56E3E58C-5E8A-4781-9921-C2B23BC09EB2}">
-  <ds:schemaRefs>
-    <ds:schemaRef ds:uri="http://schemas.microsoft.com/sharepoint/v3/contenttype/forms"/>
   </ds:schemaRefs>
 </ds:datastoreItem>
 </file>

--- a/Workshop iHub 17th.pptx
+++ b/Workshop iHub 17th.pptx
@@ -232,7 +232,7 @@
           <a:p>
             <a:fld id="{0DD51EFA-6533-45C3-8394-23FFC04F750D}" type="datetimeFigureOut">
               <a:rPr lang="en-US" smtClean="0"/>
-              <a:t>12/16/2022</a:t>
+              <a:t>12/17/2022</a:t>
             </a:fld>
             <a:endParaRPr lang="en-US" dirty="0"/>
           </a:p>
@@ -409,7 +409,7 @@
           <a:p>
             <a:fld id="{B7B4C180-10CF-422C-B717-65F1B78C7EB7}" type="datetimeFigureOut">
               <a:rPr lang="en-US" noProof="0" smtClean="0"/>
-              <a:t>12/16/2022</a:t>
+              <a:t>12/17/2022</a:t>
             </a:fld>
             <a:endParaRPr lang="en-US" noProof="0" dirty="0"/>
           </a:p>
@@ -17301,6 +17301,45 @@
           </a:p>
         </p:txBody>
       </p:sp>
+      <p:sp>
+        <p:nvSpPr>
+          <p:cNvPr id="3" name="TextBox 2">
+            <a:extLst>
+              <a:ext uri="{FF2B5EF4-FFF2-40B4-BE49-F238E27FC236}">
+                <a16:creationId xmlns:a16="http://schemas.microsoft.com/office/drawing/2014/main" id="{99FD4266-9D1C-79D0-A5CE-AD0EA863B2C4}"/>
+              </a:ext>
+            </a:extLst>
+          </p:cNvPr>
+          <p:cNvSpPr txBox="1"/>
+          <p:nvPr/>
+        </p:nvSpPr>
+        <p:spPr>
+          <a:xfrm>
+            <a:off x="3173834" y="5763237"/>
+            <a:ext cx="5844330" cy="369332"/>
+          </a:xfrm>
+          <a:prstGeom prst="rect">
+            <a:avLst/>
+          </a:prstGeom>
+          <a:noFill/>
+        </p:spPr>
+        <p:txBody>
+          <a:bodyPr wrap="square" rtlCol="0">
+            <a:spAutoFit/>
+          </a:bodyPr>
+          <a:lstStyle/>
+          <a:p>
+            <a:pPr algn="ctr"/>
+            <a:r>
+              <a:rPr lang="en-US" b="1" dirty="0">
+                <a:hlinkClick r:id="rId3"/>
+              </a:rPr>
+              <a:t>Notebook Link</a:t>
+            </a:r>
+            <a:endParaRPr lang="en-US" b="1" dirty="0"/>
+          </a:p>
+        </p:txBody>
+      </p:sp>
     </p:spTree>
     <p:extLst>
       <p:ext uri="{BB962C8B-B14F-4D97-AF65-F5344CB8AC3E}">
@@ -19765,7 +19804,7 @@
           <a:p>
             <a:r>
               <a:rPr lang="en-US" sz="2000" dirty="0"/>
-              <a:t>Then, we will explore how to use these techniques to build a model that can accurately predict whether or not a borrower will default on their loan. </a:t>
+              <a:t>Then, we will explore how to use these techniques to build a model that can predict whether or not a borrower will default on their loan. </a:t>
             </a:r>
           </a:p>
           <a:p>
@@ -20139,8 +20178,8 @@
         </p:nvSpPr>
         <p:spPr>
           <a:xfrm>
-            <a:off x="919993" y="1351508"/>
-            <a:ext cx="10352014" cy="4154984"/>
+            <a:off x="310392" y="1351508"/>
+            <a:ext cx="11461607" cy="4524315"/>
           </a:xfrm>
           <a:prstGeom prst="rect">
             <a:avLst/>
@@ -20158,7 +20197,58 @@
               <a:buAutoNum type="arabicPeriod"/>
             </a:pPr>
             <a:r>
-              <a:rPr lang="en-US" sz="4400" b="0" i="0" dirty="0">
+              <a:rPr lang="en-US" sz="3600" dirty="0">
+                <a:latin typeface="Söhne"/>
+              </a:rPr>
+              <a:t> What are some ways we can collect data </a:t>
+            </a:r>
+          </a:p>
+          <a:p>
+            <a:pPr marL="800100" lvl="1" indent="-342900">
+              <a:buFont typeface="+mj-lt"/>
+              <a:buAutoNum type="arabicPeriod"/>
+            </a:pPr>
+            <a:r>
+              <a:rPr lang="en-US" sz="3600" b="0" i="0" dirty="0">
+                <a:effectLst/>
+                <a:latin typeface="Söhne"/>
+              </a:rPr>
+              <a:t>1 In General for any sc</a:t>
+            </a:r>
+            <a:r>
+              <a:rPr lang="en-US" sz="3600" dirty="0">
+                <a:latin typeface="Söhne"/>
+              </a:rPr>
+              <a:t>enario i.e. Sensors, Survey, Research for a business</a:t>
+            </a:r>
+          </a:p>
+          <a:p>
+            <a:pPr lvl="1"/>
+            <a:r>
+              <a:rPr lang="en-US" sz="3600" b="0" i="0" dirty="0">
+                <a:effectLst/>
+                <a:latin typeface="Söhne"/>
+              </a:rPr>
+              <a:t>1</a:t>
+            </a:r>
+            <a:r>
+              <a:rPr lang="en-US" sz="3600" dirty="0">
+                <a:latin typeface="Söhne"/>
+              </a:rPr>
+              <a:t>.2 Problem specific i.e. Bank customer</a:t>
+            </a:r>
+            <a:endParaRPr lang="en-US" sz="3600" b="0" i="0" dirty="0">
+              <a:effectLst/>
+              <a:latin typeface="Söhne"/>
+            </a:endParaRPr>
+          </a:p>
+          <a:p>
+            <a:pPr marL="342900" indent="-342900">
+              <a:buFont typeface="+mj-lt"/>
+              <a:buAutoNum type="arabicPeriod"/>
+            </a:pPr>
+            <a:r>
+              <a:rPr lang="en-US" sz="3600" b="0" i="0" dirty="0">
                 <a:effectLst/>
                 <a:latin typeface="Söhne"/>
               </a:rPr>
@@ -20171,26 +20261,26 @@
               <a:buAutoNum type="arabicPeriod"/>
             </a:pPr>
             <a:r>
-              <a:rPr lang="en-US" sz="4400" b="0" i="0" dirty="0">
+              <a:rPr lang="en-US" sz="3600" b="0" i="0" dirty="0">
                 <a:effectLst/>
                 <a:latin typeface="Söhne"/>
               </a:rPr>
               <a:t>Ideate on som</a:t>
             </a:r>
             <a:r>
-              <a:rPr lang="en-US" sz="4400" dirty="0">
+              <a:rPr lang="en-US" sz="3600" dirty="0">
                 <a:latin typeface="Söhne"/>
               </a:rPr>
               <a:t>e </a:t>
             </a:r>
             <a:r>
-              <a:rPr lang="en-US" sz="4400" b="0" i="0" dirty="0">
+              <a:rPr lang="en-US" sz="3600" b="0" i="0" dirty="0">
                 <a:effectLst/>
                 <a:latin typeface="Söhne"/>
               </a:rPr>
               <a:t>key predictors of loan default and develop a reliable method for predicting it.</a:t>
             </a:r>
-            <a:endParaRPr lang="en-US" sz="4400" dirty="0"/>
+            <a:endParaRPr lang="en-US" sz="3600" dirty="0"/>
           </a:p>
         </p:txBody>
       </p:sp>
@@ -21077,15 +21167,6 @@
 </file>
 
 <file path=customXml/item1.xml><?xml version="1.0" encoding="utf-8"?>
-<?mso-contentType ?>
-<FormTemplates xmlns="http://schemas.microsoft.com/sharepoint/v3/contenttype/forms">
-  <Display>DocumentLibraryForm</Display>
-  <Edit>DocumentLibraryForm</Edit>
-  <New>DocumentLibraryForm</New>
-</FormTemplates>
-</file>
-
-<file path=customXml/item2.xml><?xml version="1.0" encoding="utf-8"?>
 <ct:contentTypeSchema xmlns:ct="http://schemas.microsoft.com/office/2006/metadata/contentType" xmlns:ma="http://schemas.microsoft.com/office/2006/metadata/properties/metaAttributes" ct:_="" ma:_="" ma:contentTypeName="Document" ma:contentTypeID="0x01010079F111ED35F8CC479449609E8A0923A6" ma:contentTypeVersion="11" ma:contentTypeDescription="Create a new document." ma:contentTypeScope="" ma:versionID="9677210f24a1be23c92c90fd886aa0aa">
   <xsd:schema xmlns:xsd="http://www.w3.org/2001/XMLSchema" xmlns:xs="http://www.w3.org/2001/XMLSchema" xmlns:p="http://schemas.microsoft.com/office/2006/metadata/properties" xmlns:ns2="71af3243-3dd4-4a8d-8c0d-dd76da1f02a5" xmlns:ns3="16c05727-aa75-4e4a-9b5f-8a80a1165891" targetNamespace="http://schemas.microsoft.com/office/2006/metadata/properties" ma:root="true" ma:fieldsID="60e05723c5c1908df1a1a4ebf11d344e" ns2:_="" ns3:_="">
     <xsd:import namespace="71af3243-3dd4-4a8d-8c0d-dd76da1f02a5"/>
@@ -21296,6 +21377,15 @@
 </ct:contentTypeSchema>
 </file>
 
+<file path=customXml/item2.xml><?xml version="1.0" encoding="utf-8"?>
+<?mso-contentType ?>
+<FormTemplates xmlns="http://schemas.microsoft.com/sharepoint/v3/contenttype/forms">
+  <Display>DocumentLibraryForm</Display>
+  <Edit>DocumentLibraryForm</Edit>
+  <New>DocumentLibraryForm</New>
+</FormTemplates>
+</file>
+
 <file path=customXml/item3.xml><?xml version="1.0" encoding="utf-8"?>
 <p:properties xmlns:p="http://schemas.microsoft.com/office/2006/metadata/properties" xmlns:xsi="http://www.w3.org/2001/XMLSchema-instance" xmlns:pc="http://schemas.microsoft.com/office/infopath/2007/PartnerControls">
   <documentManagement>
@@ -21305,14 +21395,6 @@
 </file>
 
 <file path=customXml/itemProps1.xml><?xml version="1.0" encoding="utf-8"?>
-<ds:datastoreItem xmlns:ds="http://schemas.openxmlformats.org/officeDocument/2006/customXml" ds:itemID="{56E3E58C-5E8A-4781-9921-C2B23BC09EB2}">
-  <ds:schemaRefs>
-    <ds:schemaRef ds:uri="http://schemas.microsoft.com/sharepoint/v3/contenttype/forms"/>
-  </ds:schemaRefs>
-</ds:datastoreItem>
-</file>
-
-<file path=customXml/itemProps2.xml><?xml version="1.0" encoding="utf-8"?>
 <ds:datastoreItem xmlns:ds="http://schemas.openxmlformats.org/officeDocument/2006/customXml" ds:itemID="{513094F6-5ADD-4195-AF81-00AF033C96A1}">
   <ds:schemaRefs>
     <ds:schemaRef ds:uri="http://schemas.microsoft.com/office/2006/metadata/contentType"/>
@@ -21327,6 +21409,14 @@
     <ds:schemaRef ds:uri="http://purl.org/dc/elements/1.1/"/>
     <ds:schemaRef ds:uri="http://purl.org/dc/terms/"/>
     <ds:schemaRef ds:uri="http://schemas.microsoft.com/internal/obd"/>
+  </ds:schemaRefs>
+</ds:datastoreItem>
+</file>
+
+<file path=customXml/itemProps2.xml><?xml version="1.0" encoding="utf-8"?>
+<ds:datastoreItem xmlns:ds="http://schemas.openxmlformats.org/officeDocument/2006/customXml" ds:itemID="{56E3E58C-5E8A-4781-9921-C2B23BC09EB2}">
+  <ds:schemaRefs>
+    <ds:schemaRef ds:uri="http://schemas.microsoft.com/sharepoint/v3/contenttype/forms"/>
   </ds:schemaRefs>
 </ds:datastoreItem>
 </file>
